--- a/meeting/20180713.pptx
+++ b/meeting/20180713.pptx
@@ -7,6 +7,8 @@
   <p:sldIdLst>
     <p:sldId id="256" r:id="rId2"/>
     <p:sldId id="257" r:id="rId3"/>
+    <p:sldId id="258" r:id="rId4"/>
+    <p:sldId id="259" r:id="rId5"/>
   </p:sldIdLst>
   <p:sldSz cx="9144000" cy="6858000" type="screen4x3"/>
   <p:notesSz cx="6858000" cy="9144000"/>
@@ -3385,6 +3387,10 @@
           <a:bodyPr/>
           <a:lstStyle/>
           <a:p>
+            <a:r>
+              <a:rPr kumimoji="1" lang="en-US" altLang="ja-JP" dirty="0"/>
+              <a:t>Nasa</a:t>
+            </a:r>
             <a:endParaRPr kumimoji="1" lang="ja-JP" altLang="en-US"/>
           </a:p>
         </p:txBody>
@@ -3427,9 +3433,11 @@
           </a:p>
           <a:p>
             <a:r>
-              <a:rPr kumimoji="1" lang="en-US" altLang="ja-JP"/>
+              <a:rPr kumimoji="1" lang="en-US" altLang="ja-JP" dirty="0"/>
               <a:t>exit 10,226,107</a:t>
             </a:r>
+          </a:p>
+          <a:p>
             <a:endParaRPr kumimoji="1" lang="en-US" altLang="ja-JP" dirty="0"/>
           </a:p>
           <a:p>
@@ -3449,6 +3457,234 @@
     <p:extLst>
       <p:ext uri="{BB962C8B-B14F-4D97-AF65-F5344CB8AC3E}">
         <p14:creationId xmlns:p14="http://schemas.microsoft.com/office/powerpoint/2010/main" val="3454575518"/>
+      </p:ext>
+    </p:extLst>
+  </p:cSld>
+  <p:clrMapOvr>
+    <a:masterClrMapping/>
+  </p:clrMapOvr>
+</p:sld>
+</file>
+
+<file path=ppt/slides/slide3.xml><?xml version="1.0" encoding="utf-8"?>
+<p:sld xmlns:a="http://schemas.openxmlformats.org/drawingml/2006/main" xmlns:r="http://schemas.openxmlformats.org/officeDocument/2006/relationships" xmlns:p="http://schemas.openxmlformats.org/presentationml/2006/main">
+  <p:cSld>
+    <p:spTree>
+      <p:nvGrpSpPr>
+        <p:cNvPr id="1" name=""/>
+        <p:cNvGrpSpPr/>
+        <p:nvPr/>
+      </p:nvGrpSpPr>
+      <p:grpSpPr>
+        <a:xfrm>
+          <a:off x="0" y="0"/>
+          <a:ext cx="0" cy="0"/>
+          <a:chOff x="0" y="0"/>
+          <a:chExt cx="0" cy="0"/>
+        </a:xfrm>
+      </p:grpSpPr>
+      <p:sp>
+        <p:nvSpPr>
+          <p:cNvPr id="2" name="タイトル 1">
+            <a:extLst>
+              <a:ext uri="{FF2B5EF4-FFF2-40B4-BE49-F238E27FC236}">
+                <a16:creationId xmlns:a16="http://schemas.microsoft.com/office/drawing/2014/main" id="{7B578946-4124-B441-AF8D-0E5A7D85EDCE}"/>
+              </a:ext>
+            </a:extLst>
+          </p:cNvPr>
+          <p:cNvSpPr>
+            <a:spLocks noGrp="1"/>
+          </p:cNvSpPr>
+          <p:nvPr>
+            <p:ph type="title"/>
+          </p:nvPr>
+        </p:nvSpPr>
+        <p:spPr/>
+        <p:txBody>
+          <a:bodyPr/>
+          <a:lstStyle/>
+          <a:p>
+            <a:r>
+              <a:rPr kumimoji="1" lang="en-US" altLang="ja-JP" dirty="0" err="1"/>
+              <a:t>BaseBall</a:t>
+            </a:r>
+            <a:endParaRPr kumimoji="1" lang="ja-JP" altLang="en-US"/>
+          </a:p>
+        </p:txBody>
+      </p:sp>
+      <p:sp>
+        <p:nvSpPr>
+          <p:cNvPr id="3" name="コンテンツ プレースホルダー 2">
+            <a:extLst>
+              <a:ext uri="{FF2B5EF4-FFF2-40B4-BE49-F238E27FC236}">
+                <a16:creationId xmlns:a16="http://schemas.microsoft.com/office/drawing/2014/main" id="{F89A357B-551A-E64D-8B21-2DF6C7B4300F}"/>
+              </a:ext>
+            </a:extLst>
+          </p:cNvPr>
+          <p:cNvSpPr>
+            <a:spLocks noGrp="1"/>
+          </p:cNvSpPr>
+          <p:nvPr>
+            <p:ph idx="1"/>
+          </p:nvPr>
+        </p:nvSpPr>
+        <p:spPr/>
+        <p:txBody>
+          <a:bodyPr/>
+          <a:lstStyle/>
+          <a:p>
+            <a:r>
+              <a:rPr kumimoji="1" lang="en-US" altLang="ja-JP" dirty="0" err="1"/>
+              <a:t>nextBranch</a:t>
+            </a:r>
+            <a:r>
+              <a:rPr kumimoji="1" lang="en-US" altLang="ja-JP" dirty="0"/>
+              <a:t> 5,744,319</a:t>
+            </a:r>
+          </a:p>
+          <a:p>
+            <a:r>
+              <a:rPr lang="en-US" altLang="ja-JP" dirty="0"/>
+              <a:t>type-check 98,474</a:t>
+            </a:r>
+          </a:p>
+          <a:p>
+            <a:r>
+              <a:rPr kumimoji="1" lang="en-US" altLang="ja-JP" dirty="0"/>
+              <a:t>exit 6,226,669</a:t>
+            </a:r>
+          </a:p>
+          <a:p>
+            <a:endParaRPr lang="en-US" altLang="ja-JP" dirty="0"/>
+          </a:p>
+          <a:p>
+            <a:r>
+              <a:rPr kumimoji="1" lang="ja-JP" altLang="en-US"/>
+              <a:t>合計</a:t>
+            </a:r>
+            <a:r>
+              <a:rPr kumimoji="1" lang="en-US" altLang="ja-JP" dirty="0"/>
+              <a:t> 12,647,659</a:t>
+            </a:r>
+            <a:endParaRPr kumimoji="1" lang="ja-JP" altLang="en-US"/>
+          </a:p>
+        </p:txBody>
+      </p:sp>
+    </p:spTree>
+    <p:extLst>
+      <p:ext uri="{BB962C8B-B14F-4D97-AF65-F5344CB8AC3E}">
+        <p14:creationId xmlns:p14="http://schemas.microsoft.com/office/powerpoint/2010/main" val="3456152688"/>
+      </p:ext>
+    </p:extLst>
+  </p:cSld>
+  <p:clrMapOvr>
+    <a:masterClrMapping/>
+  </p:clrMapOvr>
+</p:sld>
+</file>
+
+<file path=ppt/slides/slide4.xml><?xml version="1.0" encoding="utf-8"?>
+<p:sld xmlns:a="http://schemas.openxmlformats.org/drawingml/2006/main" xmlns:r="http://schemas.openxmlformats.org/officeDocument/2006/relationships" xmlns:p="http://schemas.openxmlformats.org/presentationml/2006/main">
+  <p:cSld>
+    <p:spTree>
+      <p:nvGrpSpPr>
+        <p:cNvPr id="1" name=""/>
+        <p:cNvGrpSpPr/>
+        <p:nvPr/>
+      </p:nvGrpSpPr>
+      <p:grpSpPr>
+        <a:xfrm>
+          <a:off x="0" y="0"/>
+          <a:ext cx="0" cy="0"/>
+          <a:chOff x="0" y="0"/>
+          <a:chExt cx="0" cy="0"/>
+        </a:xfrm>
+      </p:grpSpPr>
+      <p:sp>
+        <p:nvSpPr>
+          <p:cNvPr id="2" name="タイトル 1">
+            <a:extLst>
+              <a:ext uri="{FF2B5EF4-FFF2-40B4-BE49-F238E27FC236}">
+                <a16:creationId xmlns:a16="http://schemas.microsoft.com/office/drawing/2014/main" id="{48A874C2-FA2B-3A4B-A4B8-41E65C935E32}"/>
+              </a:ext>
+            </a:extLst>
+          </p:cNvPr>
+          <p:cNvSpPr>
+            <a:spLocks noGrp="1"/>
+          </p:cNvSpPr>
+          <p:nvPr>
+            <p:ph type="title"/>
+          </p:nvPr>
+        </p:nvSpPr>
+        <p:spPr/>
+        <p:txBody>
+          <a:bodyPr/>
+          <a:lstStyle/>
+          <a:p>
+            <a:r>
+              <a:rPr kumimoji="1" lang="ja-JP" altLang="en-US"/>
+              <a:t>方針</a:t>
+            </a:r>
+          </a:p>
+        </p:txBody>
+      </p:sp>
+      <p:sp>
+        <p:nvSpPr>
+          <p:cNvPr id="3" name="コンテンツ プレースホルダー 2">
+            <a:extLst>
+              <a:ext uri="{FF2B5EF4-FFF2-40B4-BE49-F238E27FC236}">
+                <a16:creationId xmlns:a16="http://schemas.microsoft.com/office/drawing/2014/main" id="{D453F930-072E-6B42-B237-DA77E8869FAF}"/>
+              </a:ext>
+            </a:extLst>
+          </p:cNvPr>
+          <p:cNvSpPr>
+            <a:spLocks noGrp="1"/>
+          </p:cNvSpPr>
+          <p:nvPr>
+            <p:ph idx="1"/>
+          </p:nvPr>
+        </p:nvSpPr>
+        <p:spPr/>
+        <p:txBody>
+          <a:bodyPr/>
+          <a:lstStyle/>
+          <a:p>
+            <a:r>
+              <a:rPr kumimoji="1" lang="ja-JP" altLang="en-US"/>
+              <a:t>指数的に再帰が増える</a:t>
+            </a:r>
+            <a:r>
+              <a:rPr kumimoji="1" lang="en-US" altLang="ja-JP" dirty="0" err="1"/>
+              <a:t>nextBranch</a:t>
+            </a:r>
+            <a:r>
+              <a:rPr kumimoji="1" lang="ja-JP" altLang="en-US"/>
+              <a:t>関数の改良</a:t>
+            </a:r>
+            <a:endParaRPr kumimoji="1" lang="en-US" altLang="ja-JP" dirty="0"/>
+          </a:p>
+          <a:p>
+            <a:pPr lvl="1"/>
+            <a:r>
+              <a:rPr lang="ja-JP" altLang="en-US"/>
+              <a:t>リストを前から検索→後ろから検索</a:t>
+            </a:r>
+            <a:endParaRPr lang="en-US" altLang="ja-JP" dirty="0"/>
+          </a:p>
+          <a:p>
+            <a:pPr lvl="1"/>
+            <a:r>
+              <a:rPr kumimoji="1" lang="ja-JP" altLang="en-US"/>
+              <a:t>もっと良い検索方法を思いつけば試す</a:t>
+            </a:r>
+            <a:endParaRPr kumimoji="1" lang="en-US" altLang="ja-JP" dirty="0"/>
+          </a:p>
+        </p:txBody>
+      </p:sp>
+    </p:spTree>
+    <p:extLst>
+      <p:ext uri="{BB962C8B-B14F-4D97-AF65-F5344CB8AC3E}">
+        <p14:creationId xmlns:p14="http://schemas.microsoft.com/office/powerpoint/2010/main" val="1895578767"/>
       </p:ext>
     </p:extLst>
   </p:cSld>

--- a/meeting/20180713.pptx
+++ b/meeting/20180713.pptx
@@ -6,8 +6,8 @@
   </p:sldMasterIdLst>
   <p:sldIdLst>
     <p:sldId id="256" r:id="rId2"/>
-    <p:sldId id="257" r:id="rId3"/>
-    <p:sldId id="258" r:id="rId4"/>
+    <p:sldId id="258" r:id="rId3"/>
+    <p:sldId id="257" r:id="rId4"/>
     <p:sldId id="259" r:id="rId5"/>
   </p:sldIdLst>
   <p:sldSz cx="9144000" cy="6858000" type="screen4x3"/>
@@ -248,7 +248,7 @@
           <a:p>
             <a:fld id="{9F719087-036E-E94B-A49F-CC90E8A82B28}" type="datetimeFigureOut">
               <a:rPr kumimoji="1" lang="ja-JP" altLang="en-US" smtClean="0"/>
-              <a:t>2018/7/11</a:t>
+              <a:t>2018/7/13</a:t>
             </a:fld>
             <a:endParaRPr kumimoji="1" lang="ja-JP" altLang="en-US"/>
           </a:p>
@@ -456,7 +456,7 @@
           <a:p>
             <a:fld id="{9F719087-036E-E94B-A49F-CC90E8A82B28}" type="datetimeFigureOut">
               <a:rPr kumimoji="1" lang="ja-JP" altLang="en-US" smtClean="0"/>
-              <a:t>2018/7/11</a:t>
+              <a:t>2018/7/13</a:t>
             </a:fld>
             <a:endParaRPr kumimoji="1" lang="ja-JP" altLang="en-US"/>
           </a:p>
@@ -639,7 +639,7 @@
           <a:p>
             <a:fld id="{9F719087-036E-E94B-A49F-CC90E8A82B28}" type="datetimeFigureOut">
               <a:rPr kumimoji="1" lang="ja-JP" altLang="en-US" smtClean="0"/>
-              <a:t>2018/7/11</a:t>
+              <a:t>2018/7/13</a:t>
             </a:fld>
             <a:endParaRPr kumimoji="1" lang="ja-JP" altLang="en-US"/>
           </a:p>
@@ -860,7 +860,7 @@
           <a:p>
             <a:fld id="{9F719087-036E-E94B-A49F-CC90E8A82B28}" type="datetimeFigureOut">
               <a:rPr kumimoji="1" lang="ja-JP" altLang="en-US" smtClean="0"/>
-              <a:t>2018/7/11</a:t>
+              <a:t>2018/7/13</a:t>
             </a:fld>
             <a:endParaRPr kumimoji="1" lang="ja-JP" altLang="en-US"/>
           </a:p>
@@ -1135,7 +1135,7 @@
           <a:p>
             <a:fld id="{9F719087-036E-E94B-A49F-CC90E8A82B28}" type="datetimeFigureOut">
               <a:rPr kumimoji="1" lang="ja-JP" altLang="en-US" smtClean="0"/>
-              <a:t>2018/7/11</a:t>
+              <a:t>2018/7/13</a:t>
             </a:fld>
             <a:endParaRPr kumimoji="1" lang="ja-JP" altLang="en-US"/>
           </a:p>
@@ -1378,7 +1378,7 @@
           <a:p>
             <a:fld id="{9F719087-036E-E94B-A49F-CC90E8A82B28}" type="datetimeFigureOut">
               <a:rPr kumimoji="1" lang="ja-JP" altLang="en-US" smtClean="0"/>
-              <a:t>2018/7/11</a:t>
+              <a:t>2018/7/13</a:t>
             </a:fld>
             <a:endParaRPr kumimoji="1" lang="ja-JP" altLang="en-US"/>
           </a:p>
@@ -1828,7 +1828,7 @@
           <a:p>
             <a:fld id="{9F719087-036E-E94B-A49F-CC90E8A82B28}" type="datetimeFigureOut">
               <a:rPr kumimoji="1" lang="ja-JP" altLang="en-US" smtClean="0"/>
-              <a:t>2018/7/11</a:t>
+              <a:t>2018/7/13</a:t>
             </a:fld>
             <a:endParaRPr kumimoji="1" lang="ja-JP" altLang="en-US"/>
           </a:p>
@@ -1941,7 +1941,7 @@
           <a:p>
             <a:fld id="{9F719087-036E-E94B-A49F-CC90E8A82B28}" type="datetimeFigureOut">
               <a:rPr kumimoji="1" lang="ja-JP" altLang="en-US" smtClean="0"/>
-              <a:t>2018/7/11</a:t>
+              <a:t>2018/7/13</a:t>
             </a:fld>
             <a:endParaRPr kumimoji="1" lang="ja-JP" altLang="en-US"/>
           </a:p>
@@ -2031,7 +2031,7 @@
           <a:p>
             <a:fld id="{9F719087-036E-E94B-A49F-CC90E8A82B28}" type="datetimeFigureOut">
               <a:rPr kumimoji="1" lang="ja-JP" altLang="en-US" smtClean="0"/>
-              <a:t>2018/7/11</a:t>
+              <a:t>2018/7/13</a:t>
             </a:fld>
             <a:endParaRPr kumimoji="1" lang="ja-JP" altLang="en-US"/>
           </a:p>
@@ -2347,7 +2347,7 @@
           <a:p>
             <a:fld id="{9F719087-036E-E94B-A49F-CC90E8A82B28}" type="datetimeFigureOut">
               <a:rPr kumimoji="1" lang="ja-JP" altLang="en-US" smtClean="0"/>
-              <a:t>2018/7/11</a:t>
+              <a:t>2018/7/13</a:t>
             </a:fld>
             <a:endParaRPr kumimoji="1" lang="ja-JP" altLang="en-US"/>
           </a:p>
@@ -2635,7 +2635,7 @@
           <a:p>
             <a:fld id="{9F719087-036E-E94B-A49F-CC90E8A82B28}" type="datetimeFigureOut">
               <a:rPr kumimoji="1" lang="ja-JP" altLang="en-US" smtClean="0"/>
-              <a:t>2018/7/11</a:t>
+              <a:t>2018/7/13</a:t>
             </a:fld>
             <a:endParaRPr kumimoji="1" lang="ja-JP" altLang="en-US"/>
           </a:p>
@@ -2875,7 +2875,7 @@
           <a:p>
             <a:fld id="{9F719087-036E-E94B-A49F-CC90E8A82B28}" type="datetimeFigureOut">
               <a:rPr kumimoji="1" lang="ja-JP" altLang="en-US" smtClean="0"/>
-              <a:t>2018/7/11</a:t>
+              <a:t>2018/7/13</a:t>
             </a:fld>
             <a:endParaRPr kumimoji="1" lang="ja-JP" altLang="en-US"/>
           </a:p>
@@ -3371,7 +3371,7 @@
           <p:cNvPr id="2" name="タイトル 1">
             <a:extLst>
               <a:ext uri="{FF2B5EF4-FFF2-40B4-BE49-F238E27FC236}">
-                <a16:creationId xmlns:a16="http://schemas.microsoft.com/office/drawing/2014/main" id="{B14A1F54-9E9C-C540-9486-5C04C555393C}"/>
+                <a16:creationId xmlns:a16="http://schemas.microsoft.com/office/drawing/2014/main" id="{7B578946-4124-B441-AF8D-0E5A7D85EDCE}"/>
               </a:ext>
             </a:extLst>
           </p:cNvPr>
@@ -3388,8 +3388,8 @@
           <a:lstStyle/>
           <a:p>
             <a:r>
-              <a:rPr kumimoji="1" lang="en-US" altLang="ja-JP" dirty="0"/>
-              <a:t>Nasa</a:t>
+              <a:rPr kumimoji="1" lang="en-US" altLang="ja-JP" dirty="0" err="1"/>
+              <a:t>BaseBall</a:t>
             </a:r>
             <a:endParaRPr kumimoji="1" lang="ja-JP" altLang="en-US"/>
           </a:p>
@@ -3400,7 +3400,7 @@
           <p:cNvPr id="3" name="コンテンツ プレースホルダー 2">
             <a:extLst>
               <a:ext uri="{FF2B5EF4-FFF2-40B4-BE49-F238E27FC236}">
-                <a16:creationId xmlns:a16="http://schemas.microsoft.com/office/drawing/2014/main" id="{FD4DE88C-6494-044B-BA89-1BC821EAEB5D}"/>
+                <a16:creationId xmlns:a16="http://schemas.microsoft.com/office/drawing/2014/main" id="{F89A357B-551A-E64D-8B21-2DF6C7B4300F}"/>
               </a:ext>
             </a:extLst>
           </p:cNvPr>
@@ -3422,32 +3422,32 @@
             </a:r>
             <a:r>
               <a:rPr kumimoji="1" lang="en-US" altLang="ja-JP" dirty="0"/>
-              <a:t> 44,100,262</a:t>
+              <a:t> 5,744,319</a:t>
             </a:r>
           </a:p>
           <a:p>
             <a:r>
               <a:rPr lang="en-US" altLang="ja-JP" dirty="0"/>
-              <a:t>type-check 3,019,935</a:t>
+              <a:t>type-check 98,474</a:t>
             </a:r>
           </a:p>
           <a:p>
             <a:r>
               <a:rPr kumimoji="1" lang="en-US" altLang="ja-JP" dirty="0"/>
-              <a:t>exit 10,226,107</a:t>
-            </a:r>
-          </a:p>
-          <a:p>
-            <a:endParaRPr kumimoji="1" lang="en-US" altLang="ja-JP" dirty="0"/>
-          </a:p>
-          <a:p>
-            <a:r>
-              <a:rPr lang="ja-JP" altLang="en-US"/>
+              <a:t>exit 6,226,669</a:t>
+            </a:r>
+          </a:p>
+          <a:p>
+            <a:endParaRPr lang="en-US" altLang="ja-JP" dirty="0"/>
+          </a:p>
+          <a:p>
+            <a:r>
+              <a:rPr kumimoji="1" lang="ja-JP" altLang="en-US"/>
               <a:t>合計</a:t>
             </a:r>
             <a:r>
-              <a:rPr lang="en-US" altLang="ja-JP" dirty="0"/>
-              <a:t> 119,374,745</a:t>
+              <a:rPr kumimoji="1" lang="en-US" altLang="ja-JP" dirty="0"/>
+              <a:t> 12,647,659</a:t>
             </a:r>
             <a:endParaRPr kumimoji="1" lang="ja-JP" altLang="en-US"/>
           </a:p>
@@ -3456,7 +3456,7 @@
     </p:spTree>
     <p:extLst>
       <p:ext uri="{BB962C8B-B14F-4D97-AF65-F5344CB8AC3E}">
-        <p14:creationId xmlns:p14="http://schemas.microsoft.com/office/powerpoint/2010/main" val="3454575518"/>
+        <p14:creationId xmlns:p14="http://schemas.microsoft.com/office/powerpoint/2010/main" val="3456152688"/>
       </p:ext>
     </p:extLst>
   </p:cSld>
@@ -3488,7 +3488,7 @@
           <p:cNvPr id="2" name="タイトル 1">
             <a:extLst>
               <a:ext uri="{FF2B5EF4-FFF2-40B4-BE49-F238E27FC236}">
-                <a16:creationId xmlns:a16="http://schemas.microsoft.com/office/drawing/2014/main" id="{7B578946-4124-B441-AF8D-0E5A7D85EDCE}"/>
+                <a16:creationId xmlns:a16="http://schemas.microsoft.com/office/drawing/2014/main" id="{B14A1F54-9E9C-C540-9486-5C04C555393C}"/>
               </a:ext>
             </a:extLst>
           </p:cNvPr>
@@ -3505,8 +3505,8 @@
           <a:lstStyle/>
           <a:p>
             <a:r>
-              <a:rPr kumimoji="1" lang="en-US" altLang="ja-JP" dirty="0" err="1"/>
-              <a:t>BaseBall</a:t>
+              <a:rPr kumimoji="1" lang="en-US" altLang="ja-JP" dirty="0"/>
+              <a:t>Nasa</a:t>
             </a:r>
             <a:endParaRPr kumimoji="1" lang="ja-JP" altLang="en-US"/>
           </a:p>
@@ -3517,7 +3517,7 @@
           <p:cNvPr id="3" name="コンテンツ プレースホルダー 2">
             <a:extLst>
               <a:ext uri="{FF2B5EF4-FFF2-40B4-BE49-F238E27FC236}">
-                <a16:creationId xmlns:a16="http://schemas.microsoft.com/office/drawing/2014/main" id="{F89A357B-551A-E64D-8B21-2DF6C7B4300F}"/>
+                <a16:creationId xmlns:a16="http://schemas.microsoft.com/office/drawing/2014/main" id="{FD4DE88C-6494-044B-BA89-1BC821EAEB5D}"/>
               </a:ext>
             </a:extLst>
           </p:cNvPr>
@@ -3539,32 +3539,32 @@
             </a:r>
             <a:r>
               <a:rPr kumimoji="1" lang="en-US" altLang="ja-JP" dirty="0"/>
-              <a:t> 5,744,319</a:t>
+              <a:t> 44,100,262</a:t>
             </a:r>
           </a:p>
           <a:p>
             <a:r>
               <a:rPr lang="en-US" altLang="ja-JP" dirty="0"/>
-              <a:t>type-check 98,474</a:t>
+              <a:t>type-check 3,019,935</a:t>
             </a:r>
           </a:p>
           <a:p>
             <a:r>
               <a:rPr kumimoji="1" lang="en-US" altLang="ja-JP" dirty="0"/>
-              <a:t>exit 6,226,669</a:t>
-            </a:r>
-          </a:p>
-          <a:p>
-            <a:endParaRPr lang="en-US" altLang="ja-JP" dirty="0"/>
-          </a:p>
-          <a:p>
-            <a:r>
-              <a:rPr kumimoji="1" lang="ja-JP" altLang="en-US"/>
+              <a:t>exit 10,226,107</a:t>
+            </a:r>
+          </a:p>
+          <a:p>
+            <a:endParaRPr kumimoji="1" lang="en-US" altLang="ja-JP" dirty="0"/>
+          </a:p>
+          <a:p>
+            <a:r>
+              <a:rPr lang="ja-JP" altLang="en-US"/>
               <a:t>合計</a:t>
             </a:r>
             <a:r>
-              <a:rPr kumimoji="1" lang="en-US" altLang="ja-JP" dirty="0"/>
-              <a:t> 12,647,659</a:t>
+              <a:rPr lang="en-US" altLang="ja-JP" dirty="0"/>
+              <a:t> 119,374,745</a:t>
             </a:r>
             <a:endParaRPr kumimoji="1" lang="ja-JP" altLang="en-US"/>
           </a:p>
@@ -3573,7 +3573,7 @@
     </p:spTree>
     <p:extLst>
       <p:ext uri="{BB962C8B-B14F-4D97-AF65-F5344CB8AC3E}">
-        <p14:creationId xmlns:p14="http://schemas.microsoft.com/office/powerpoint/2010/main" val="3456152688"/>
+        <p14:creationId xmlns:p14="http://schemas.microsoft.com/office/powerpoint/2010/main" val="3454575518"/>
       </p:ext>
     </p:extLst>
   </p:cSld>
